--- a/Event Materials/Speaker/GPPB2023 Speaker Social Share Deck.pptx
+++ b/Event Materials/Speaker/GPPB2023 Speaker Social Share Deck.pptx
@@ -115,60 +115,6 @@
 </p:presentation>
 </file>
 
-<file path=ppt/revisionInfo.xml><?xml version="1.0" encoding="utf-8"?>
-<p1510:revInfo xmlns:a="http://schemas.openxmlformats.org/drawingml/2006/main" xmlns:r="http://schemas.openxmlformats.org/officeDocument/2006/relationships" xmlns:p1510="http://schemas.microsoft.com/office/powerpoint/2015/10/main">
-  <p1510:revLst>
-    <p1510:client id="{DED723C0-C1FA-4314-9BA4-22436F1108E4}" v="4" dt="2023-12-13T08:54:44.025"/>
-  </p1510:revLst>
-</p1510:revInfo>
-</file>
-
-<file path=ppt/changesInfos/changesInfo1.xml><?xml version="1.0" encoding="utf-8"?>
-<pc:chgInfo xmlns:a="http://schemas.openxmlformats.org/drawingml/2006/main" xmlns:r="http://schemas.openxmlformats.org/officeDocument/2006/relationships" xmlns:ac="http://schemas.microsoft.com/office/drawing/2013/main/command" xmlns:pc="http://schemas.microsoft.com/office/powerpoint/2013/main/command">
-  <pc:docChgLst>
-    <pc:chgData name="Aman Kumar" userId="0b4d6e6f-7c99-4de4-a9e6-a72a547bdecf" providerId="ADAL" clId="{DED723C0-C1FA-4314-9BA4-22436F1108E4}"/>
-    <pc:docChg chg="modMainMaster">
-      <pc:chgData name="Aman Kumar" userId="0b4d6e6f-7c99-4de4-a9e6-a72a547bdecf" providerId="ADAL" clId="{DED723C0-C1FA-4314-9BA4-22436F1108E4}" dt="2023-12-13T08:54:44.025" v="13" actId="20577"/>
-      <pc:docMkLst>
-        <pc:docMk/>
-      </pc:docMkLst>
-      <pc:sldMasterChg chg="modSp mod modSldLayout">
-        <pc:chgData name="Aman Kumar" userId="0b4d6e6f-7c99-4de4-a9e6-a72a547bdecf" providerId="ADAL" clId="{DED723C0-C1FA-4314-9BA4-22436F1108E4}" dt="2023-12-13T08:54:44.025" v="13" actId="20577"/>
-        <pc:sldMasterMkLst>
-          <pc:docMk/>
-          <pc:sldMasterMk cId="937365418" sldId="2147483648"/>
-        </pc:sldMasterMkLst>
-        <pc:spChg chg="mod">
-          <ac:chgData name="Aman Kumar" userId="0b4d6e6f-7c99-4de4-a9e6-a72a547bdecf" providerId="ADAL" clId="{DED723C0-C1FA-4314-9BA4-22436F1108E4}" dt="2023-12-13T08:54:11.829" v="1" actId="20577"/>
-          <ac:spMkLst>
-            <pc:docMk/>
-            <pc:sldMasterMk cId="937365418" sldId="2147483648"/>
-            <ac:spMk id="10" creationId="{CC42B244-FBE9-4F38-8EEB-8A7446B2A258}"/>
-          </ac:spMkLst>
-        </pc:spChg>
-        <pc:sldLayoutChg chg="modSp mod">
-          <pc:chgData name="Aman Kumar" userId="0b4d6e6f-7c99-4de4-a9e6-a72a547bdecf" providerId="ADAL" clId="{DED723C0-C1FA-4314-9BA4-22436F1108E4}" dt="2023-12-13T08:54:44.025" v="13" actId="20577"/>
-          <pc:sldLayoutMkLst>
-            <pc:docMk/>
-            <pc:sldMasterMk cId="937365418" sldId="2147483648"/>
-            <pc:sldLayoutMk cId="4179155296" sldId="2147483652"/>
-          </pc:sldLayoutMkLst>
-          <pc:spChg chg="mod">
-            <ac:chgData name="Aman Kumar" userId="0b4d6e6f-7c99-4de4-a9e6-a72a547bdecf" providerId="ADAL" clId="{DED723C0-C1FA-4314-9BA4-22436F1108E4}" dt="2023-12-13T08:54:44.025" v="13" actId="20577"/>
-            <ac:spMkLst>
-              <pc:docMk/>
-              <pc:sldMasterMk cId="937365418" sldId="2147483648"/>
-              <pc:sldLayoutMk cId="4179155296" sldId="2147483652"/>
-              <ac:spMk id="5" creationId="{C8F25E93-1C78-485C-A015-7D9B7A300E4F}"/>
-            </ac:spMkLst>
-          </pc:spChg>
-        </pc:sldLayoutChg>
-      </pc:sldMasterChg>
-    </pc:docChg>
-  </pc:docChgLst>
-</pc:chgInfo>
-</file>
-
 <file path=ppt/slideLayouts/slideLayout1.xml><?xml version="1.0" encoding="utf-8"?>
 <p:sldLayout xmlns:a="http://schemas.openxmlformats.org/drawingml/2006/main" xmlns:r="http://schemas.openxmlformats.org/officeDocument/2006/relationships" xmlns:p="http://schemas.openxmlformats.org/presentationml/2006/main" preserve="1" userDrawn="1">
   <p:cSld name="Title and Content">
@@ -370,7 +316,7 @@
         </p:blipFill>
         <p:spPr>
           <a:xfrm>
-            <a:off x="360693" y="5117612"/>
+            <a:off x="3341285" y="5146762"/>
             <a:ext cx="914400" cy="914400"/>
           </a:xfrm>
           <a:prstGeom prst="rect">
@@ -409,7 +355,7 @@
         </p:blipFill>
         <p:spPr>
           <a:xfrm>
-            <a:off x="1504340" y="5112152"/>
+            <a:off x="4484932" y="5141302"/>
             <a:ext cx="914400" cy="914400"/>
           </a:xfrm>
           <a:prstGeom prst="rect">
@@ -448,7 +394,7 @@
         </p:blipFill>
         <p:spPr>
           <a:xfrm>
-            <a:off x="2809570" y="5117612"/>
+            <a:off x="5790162" y="5146762"/>
             <a:ext cx="914400" cy="914400"/>
           </a:xfrm>
           <a:prstGeom prst="rect">
@@ -487,7 +433,7 @@
         </p:blipFill>
         <p:spPr>
           <a:xfrm>
-            <a:off x="4079375" y="5143506"/>
+            <a:off x="7059967" y="5172656"/>
             <a:ext cx="914400" cy="914400"/>
           </a:xfrm>
           <a:prstGeom prst="rect">
@@ -584,6 +530,45 @@
           </a:p>
         </p:txBody>
       </p:sp>
+      <p:pic>
+        <p:nvPicPr>
+          <p:cNvPr id="13" name="Graphic 12">
+            <a:extLst>
+              <a:ext uri="{FF2B5EF4-FFF2-40B4-BE49-F238E27FC236}">
+                <a16:creationId xmlns:a16="http://schemas.microsoft.com/office/drawing/2014/main" id="{3445EA82-BBB3-5EFB-F762-93B89AB08233}"/>
+              </a:ext>
+            </a:extLst>
+          </p:cNvPr>
+          <p:cNvPicPr>
+            <a:picLocks noChangeAspect="1"/>
+          </p:cNvPicPr>
+          <p:nvPr userDrawn="1"/>
+        </p:nvPicPr>
+        <p:blipFill>
+          <a:blip r:embed="rId10">
+            <a:extLst>
+              <a:ext uri="{28A0092B-C50C-407E-A947-70E740481C1C}">
+                <a14:useLocalDpi xmlns:a14="http://schemas.microsoft.com/office/drawing/2010/main" val="0"/>
+              </a:ext>
+              <a:ext uri="{96DAC541-7B7A-43D3-8B79-37D633B846F1}">
+                <asvg:svgBlip xmlns:asvg="http://schemas.microsoft.com/office/drawing/2016/SVG/main" r:embed="rId11"/>
+              </a:ext>
+            </a:extLst>
+          </a:blip>
+          <a:stretch>
+            <a:fillRect/>
+          </a:stretch>
+        </p:blipFill>
+        <p:spPr>
+          <a:xfrm>
+            <a:off x="8329772" y="5100253"/>
+            <a:ext cx="914400" cy="914400"/>
+          </a:xfrm>
+          <a:prstGeom prst="rect">
+            <a:avLst/>
+          </a:prstGeom>
+        </p:spPr>
+      </p:pic>
     </p:spTree>
     <p:extLst>
       <p:ext uri="{BB962C8B-B14F-4D97-AF65-F5344CB8AC3E}">
@@ -632,8 +617,8 @@
         </p:nvSpPr>
         <p:spPr>
           <a:xfrm>
-            <a:off x="5029200" y="2030413"/>
-            <a:ext cx="6796454" cy="1002933"/>
+            <a:off x="5741376" y="2030413"/>
+            <a:ext cx="6084278" cy="1002933"/>
           </a:xfrm>
           <a:prstGeom prst="rect">
             <a:avLst/>
@@ -679,8 +664,8 @@
         </p:nvSpPr>
         <p:spPr>
           <a:xfrm>
-            <a:off x="5029199" y="3709020"/>
-            <a:ext cx="6796454" cy="786818"/>
+            <a:off x="5741377" y="3709020"/>
+            <a:ext cx="6084276" cy="786818"/>
           </a:xfrm>
           <a:prstGeom prst="rect">
             <a:avLst/>
@@ -752,7 +737,7 @@
         </p:blipFill>
         <p:spPr>
           <a:xfrm>
-            <a:off x="360693" y="5117612"/>
+            <a:off x="199111" y="5112152"/>
             <a:ext cx="914400" cy="914400"/>
           </a:xfrm>
           <a:prstGeom prst="rect">
@@ -791,7 +776,7 @@
         </p:blipFill>
         <p:spPr>
           <a:xfrm>
-            <a:off x="1504340" y="5112152"/>
+            <a:off x="1242556" y="5120950"/>
             <a:ext cx="914400" cy="914400"/>
           </a:xfrm>
           <a:prstGeom prst="rect">
@@ -830,7 +815,7 @@
         </p:blipFill>
         <p:spPr>
           <a:xfrm>
-            <a:off x="2809570" y="5117612"/>
+            <a:off x="2377554" y="5120950"/>
             <a:ext cx="914400" cy="914400"/>
           </a:xfrm>
           <a:prstGeom prst="rect">
@@ -869,7 +854,7 @@
         </p:blipFill>
         <p:spPr>
           <a:xfrm>
-            <a:off x="4079375" y="5143506"/>
+            <a:off x="3437001" y="5182746"/>
             <a:ext cx="914400" cy="914400"/>
           </a:xfrm>
           <a:prstGeom prst="rect">
@@ -941,8 +926,8 @@
         </p:nvSpPr>
         <p:spPr>
           <a:xfrm>
-            <a:off x="5029200" y="3011575"/>
-            <a:ext cx="6796454" cy="646331"/>
+            <a:off x="5741376" y="3011575"/>
+            <a:ext cx="6084277" cy="646331"/>
           </a:xfrm>
           <a:prstGeom prst="rect">
             <a:avLst/>
@@ -1001,8 +986,8 @@
         </p:nvSpPr>
         <p:spPr>
           <a:xfrm>
-            <a:off x="5029199" y="4546952"/>
-            <a:ext cx="6796088" cy="1271588"/>
+            <a:off x="5741007" y="4546952"/>
+            <a:ext cx="6084279" cy="1271588"/>
           </a:xfrm>
           <a:prstGeom prst="rect">
             <a:avLst/>
@@ -1244,6 +1229,45 @@
           </a:p>
         </p:txBody>
       </p:sp>
+      <p:pic>
+        <p:nvPicPr>
+          <p:cNvPr id="3" name="Graphic 2">
+            <a:extLst>
+              <a:ext uri="{FF2B5EF4-FFF2-40B4-BE49-F238E27FC236}">
+                <a16:creationId xmlns:a16="http://schemas.microsoft.com/office/drawing/2014/main" id="{7196148C-2AC5-241B-4862-935AF631863B}"/>
+              </a:ext>
+            </a:extLst>
+          </p:cNvPr>
+          <p:cNvPicPr>
+            <a:picLocks noChangeAspect="1"/>
+          </p:cNvPicPr>
+          <p:nvPr userDrawn="1"/>
+        </p:nvPicPr>
+        <p:blipFill>
+          <a:blip r:embed="rId11">
+            <a:extLst>
+              <a:ext uri="{28A0092B-C50C-407E-A947-70E740481C1C}">
+                <a14:useLocalDpi xmlns:a14="http://schemas.microsoft.com/office/drawing/2010/main" val="0"/>
+              </a:ext>
+              <a:ext uri="{96DAC541-7B7A-43D3-8B79-37D633B846F1}">
+                <asvg:svgBlip xmlns:asvg="http://schemas.microsoft.com/office/drawing/2016/SVG/main" r:embed="rId12"/>
+              </a:ext>
+            </a:extLst>
+          </a:blip>
+          <a:stretch>
+            <a:fillRect/>
+          </a:stretch>
+        </p:blipFill>
+        <p:spPr>
+          <a:xfrm>
+            <a:off x="4496448" y="5112152"/>
+            <a:ext cx="914400" cy="914400"/>
+          </a:xfrm>
+          <a:prstGeom prst="rect">
+            <a:avLst/>
+          </a:prstGeom>
+        </p:spPr>
+      </p:pic>
     </p:spTree>
     <p:extLst>
       <p:ext uri="{BB962C8B-B14F-4D97-AF65-F5344CB8AC3E}">
@@ -1359,10 +1383,10 @@
       </p:sp>
       <p:pic>
         <p:nvPicPr>
-          <p:cNvPr id="4" name="Graphic 3">
-            <a:extLst>
-              <a:ext uri="{FF2B5EF4-FFF2-40B4-BE49-F238E27FC236}">
-                <a16:creationId xmlns:a16="http://schemas.microsoft.com/office/drawing/2014/main" id="{E0CAC04C-F228-4E95-87B5-8D79945D270A}"/>
+          <p:cNvPr id="8" name="Graphic 7">
+            <a:extLst>
+              <a:ext uri="{FF2B5EF4-FFF2-40B4-BE49-F238E27FC236}">
+                <a16:creationId xmlns:a16="http://schemas.microsoft.com/office/drawing/2014/main" id="{28599636-14D8-C83A-5ED3-F32AF8AABE19}"/>
               </a:ext>
             </a:extLst>
           </p:cNvPr>
@@ -1388,7 +1412,7 @@
         </p:blipFill>
         <p:spPr>
           <a:xfrm>
-            <a:off x="360693" y="5117612"/>
+            <a:off x="3341285" y="5146762"/>
             <a:ext cx="914400" cy="914400"/>
           </a:xfrm>
           <a:prstGeom prst="rect">
@@ -1398,10 +1422,10 @@
       </p:pic>
       <p:pic>
         <p:nvPicPr>
-          <p:cNvPr id="5" name="Graphic 4">
-            <a:extLst>
-              <a:ext uri="{FF2B5EF4-FFF2-40B4-BE49-F238E27FC236}">
-                <a16:creationId xmlns:a16="http://schemas.microsoft.com/office/drawing/2014/main" id="{FBB17C86-5293-4855-BD58-B3F37BED094D}"/>
+          <p:cNvPr id="9" name="Graphic 8">
+            <a:extLst>
+              <a:ext uri="{FF2B5EF4-FFF2-40B4-BE49-F238E27FC236}">
+                <a16:creationId xmlns:a16="http://schemas.microsoft.com/office/drawing/2014/main" id="{2BDE4783-A360-CA80-3837-EDE6A17F4A3A}"/>
               </a:ext>
             </a:extLst>
           </p:cNvPr>
@@ -1427,7 +1451,7 @@
         </p:blipFill>
         <p:spPr>
           <a:xfrm>
-            <a:off x="1504340" y="5112152"/>
+            <a:off x="4484932" y="5141302"/>
             <a:ext cx="914400" cy="914400"/>
           </a:xfrm>
           <a:prstGeom prst="rect">
@@ -1437,10 +1461,10 @@
       </p:pic>
       <p:pic>
         <p:nvPicPr>
-          <p:cNvPr id="6" name="Graphic 5">
-            <a:extLst>
-              <a:ext uri="{FF2B5EF4-FFF2-40B4-BE49-F238E27FC236}">
-                <a16:creationId xmlns:a16="http://schemas.microsoft.com/office/drawing/2014/main" id="{F873CDAE-95C4-423D-B178-77824404AE70}"/>
+          <p:cNvPr id="10" name="Graphic 9">
+            <a:extLst>
+              <a:ext uri="{FF2B5EF4-FFF2-40B4-BE49-F238E27FC236}">
+                <a16:creationId xmlns:a16="http://schemas.microsoft.com/office/drawing/2014/main" id="{6EF0AC30-3A09-DC47-3A92-2206C5D9F533}"/>
               </a:ext>
             </a:extLst>
           </p:cNvPr>
@@ -1466,7 +1490,7 @@
         </p:blipFill>
         <p:spPr>
           <a:xfrm>
-            <a:off x="2809570" y="5117612"/>
+            <a:off x="5790162" y="5146762"/>
             <a:ext cx="914400" cy="914400"/>
           </a:xfrm>
           <a:prstGeom prst="rect">
@@ -1476,10 +1500,10 @@
       </p:pic>
       <p:pic>
         <p:nvPicPr>
-          <p:cNvPr id="7" name="Graphic 6">
-            <a:extLst>
-              <a:ext uri="{FF2B5EF4-FFF2-40B4-BE49-F238E27FC236}">
-                <a16:creationId xmlns:a16="http://schemas.microsoft.com/office/drawing/2014/main" id="{86FD848A-406D-496E-BED5-00156F1FBAB4}"/>
+          <p:cNvPr id="11" name="Graphic 10">
+            <a:extLst>
+              <a:ext uri="{FF2B5EF4-FFF2-40B4-BE49-F238E27FC236}">
+                <a16:creationId xmlns:a16="http://schemas.microsoft.com/office/drawing/2014/main" id="{655F41EB-50EB-F855-98F0-35CF41FAD921}"/>
               </a:ext>
             </a:extLst>
           </p:cNvPr>
@@ -1505,7 +1529,46 @@
         </p:blipFill>
         <p:spPr>
           <a:xfrm>
-            <a:off x="4079375" y="5143506"/>
+            <a:off x="7059967" y="5172656"/>
+            <a:ext cx="914400" cy="914400"/>
+          </a:xfrm>
+          <a:prstGeom prst="rect">
+            <a:avLst/>
+          </a:prstGeom>
+        </p:spPr>
+      </p:pic>
+      <p:pic>
+        <p:nvPicPr>
+          <p:cNvPr id="12" name="Graphic 11">
+            <a:extLst>
+              <a:ext uri="{FF2B5EF4-FFF2-40B4-BE49-F238E27FC236}">
+                <a16:creationId xmlns:a16="http://schemas.microsoft.com/office/drawing/2014/main" id="{AB3F0E9F-ED3C-8D84-4134-7D32C01DB077}"/>
+              </a:ext>
+            </a:extLst>
+          </p:cNvPr>
+          <p:cNvPicPr>
+            <a:picLocks noChangeAspect="1"/>
+          </p:cNvPicPr>
+          <p:nvPr userDrawn="1"/>
+        </p:nvPicPr>
+        <p:blipFill>
+          <a:blip r:embed="rId10">
+            <a:extLst>
+              <a:ext uri="{28A0092B-C50C-407E-A947-70E740481C1C}">
+                <a14:useLocalDpi xmlns:a14="http://schemas.microsoft.com/office/drawing/2010/main" val="0"/>
+              </a:ext>
+              <a:ext uri="{96DAC541-7B7A-43D3-8B79-37D633B846F1}">
+                <asvg:svgBlip xmlns:asvg="http://schemas.microsoft.com/office/drawing/2016/SVG/main" r:embed="rId11"/>
+              </a:ext>
+            </a:extLst>
+          </a:blip>
+          <a:stretch>
+            <a:fillRect/>
+          </a:stretch>
+        </p:blipFill>
+        <p:spPr>
+          <a:xfrm>
+            <a:off x="8329772" y="5100253"/>
             <a:ext cx="914400" cy="914400"/>
           </a:xfrm>
           <a:prstGeom prst="rect">
@@ -1571,7 +1634,7 @@
         </p:nvSpPr>
         <p:spPr>
           <a:xfrm>
-            <a:off x="140676" y="6214427"/>
+            <a:off x="4237664" y="6354795"/>
             <a:ext cx="5117123" cy="369332"/>
           </a:xfrm>
           <a:prstGeom prst="rect">
@@ -1665,6 +1728,42 @@
           <a:xfrm>
             <a:off x="140676" y="92363"/>
             <a:ext cx="1700489" cy="1791855"/>
+          </a:xfrm>
+          <a:prstGeom prst="rect">
+            <a:avLst/>
+          </a:prstGeom>
+        </p:spPr>
+      </p:pic>
+      <p:pic>
+        <p:nvPicPr>
+          <p:cNvPr id="2" name="Picture 1" descr="A close up of a logo&#10;&#10;Description automatically generated">
+            <a:extLst>
+              <a:ext uri="{FF2B5EF4-FFF2-40B4-BE49-F238E27FC236}">
+                <a16:creationId xmlns:a16="http://schemas.microsoft.com/office/drawing/2014/main" id="{A4881C3C-935C-07BE-978C-BFE9F6CCBC1E}"/>
+              </a:ext>
+            </a:extLst>
+          </p:cNvPr>
+          <p:cNvPicPr>
+            <a:picLocks noChangeAspect="1"/>
+          </p:cNvPicPr>
+          <p:nvPr userDrawn="1"/>
+        </p:nvPicPr>
+        <p:blipFill>
+          <a:blip r:embed="rId8" cstate="print">
+            <a:extLst>
+              <a:ext uri="{28A0092B-C50C-407E-A947-70E740481C1C}">
+                <a14:useLocalDpi xmlns:a14="http://schemas.microsoft.com/office/drawing/2010/main" val="0"/>
+              </a:ext>
+            </a:extLst>
+          </a:blip>
+          <a:stretch>
+            <a:fillRect/>
+          </a:stretch>
+        </p:blipFill>
+        <p:spPr>
+          <a:xfrm>
+            <a:off x="212739" y="6354795"/>
+            <a:ext cx="1297358" cy="336352"/>
           </a:xfrm>
           <a:prstGeom prst="rect">
             <a:avLst/>
@@ -2089,45 +2188,6 @@
           </a:p>
         </p:txBody>
       </p:sp>
-      <p:sp>
-        <p:nvSpPr>
-          <p:cNvPr id="6" name="TextBox 5">
-            <a:extLst>
-              <a:ext uri="{FF2B5EF4-FFF2-40B4-BE49-F238E27FC236}">
-                <a16:creationId xmlns:a16="http://schemas.microsoft.com/office/drawing/2014/main" id="{69F1409F-4ED8-4339-A8C8-ECBA32DD82CA}"/>
-              </a:ext>
-            </a:extLst>
-          </p:cNvPr>
-          <p:cNvSpPr txBox="1"/>
-          <p:nvPr/>
-        </p:nvSpPr>
-        <p:spPr>
-          <a:xfrm>
-            <a:off x="4724400" y="3200399"/>
-            <a:ext cx="2743200" cy="369332"/>
-          </a:xfrm>
-          <a:prstGeom prst="rect">
-            <a:avLst/>
-          </a:prstGeom>
-          <a:noFill/>
-        </p:spPr>
-        <p:txBody>
-          <a:bodyPr rot="0" spcFirstLastPara="0" vertOverflow="overflow" horzOverflow="overflow" vert="horz" wrap="square" lIns="91440" tIns="45720" rIns="91440" bIns="45720" numCol="1" spcCol="0" rtlCol="0" fromWordArt="0" anchor="t" anchorCtr="0" forceAA="0" compatLnSpc="1">
-            <a:prstTxWarp prst="textNoShape">
-              <a:avLst/>
-            </a:prstTxWarp>
-            <a:spAutoFit/>
-          </a:bodyPr>
-          <a:lstStyle/>
-          <a:p>
-            <a:pPr algn="l"/>
-            <a:r>
-              <a:rPr lang="en-US"/>
-              <a:t>Click to add text</a:t>
-            </a:r>
-          </a:p>
-        </p:txBody>
-      </p:sp>
     </p:spTree>
     <p:extLst>
       <p:ext uri="{BB962C8B-B14F-4D97-AF65-F5344CB8AC3E}">
@@ -2299,7 +2359,39 @@
                   <a:srgbClr val="7EC6FE"/>
                 </a:solidFill>
               </a:rPr>
-              <a:t>February 19th 2021 – February 20th 2021</a:t>
+              <a:t>February 23</a:t>
+            </a:r>
+            <a:r>
+              <a:rPr lang="en-CA" baseline="30000" dirty="0">
+                <a:solidFill>
+                  <a:srgbClr val="7EC6FE"/>
+                </a:solidFill>
+              </a:rPr>
+              <a:t>rd</a:t>
+            </a:r>
+            <a:r>
+              <a:rPr lang="en-CA" dirty="0">
+                <a:solidFill>
+                  <a:srgbClr val="7EC6FE"/>
+                </a:solidFill>
+              </a:rPr>
+              <a:t> 2024 – February 24</a:t>
+            </a:r>
+            <a:r>
+              <a:rPr lang="en-CA" baseline="30000" dirty="0">
+                <a:solidFill>
+                  <a:srgbClr val="7EC6FE"/>
+                </a:solidFill>
+              </a:rPr>
+              <a:t>th</a:t>
+            </a:r>
+            <a:r>
+              <a:rPr lang="en-CA" dirty="0">
+                <a:solidFill>
+                  <a:srgbClr val="7EC6FE"/>
+                </a:solidFill>
+              </a:rPr>
+              <a:t> 2024</a:t>
             </a:r>
             <a:endParaRPr lang="en-CA" dirty="0"/>
           </a:p>
@@ -2514,13 +2606,42 @@
                 <a:solidFill>
                   <a:srgbClr val="7EC6FE"/>
                 </a:solidFill>
-                <a:latin typeface="+mj-lt"/>
               </a:rPr>
-              <a:t>February 19th 2021 – February 20th 2021</a:t>
+              <a:t>February 23</a:t>
             </a:r>
-            <a:endParaRPr lang="en-CA" dirty="0">
-              <a:latin typeface="+mj-lt"/>
-            </a:endParaRPr>
+            <a:r>
+              <a:rPr lang="en-CA" baseline="30000" dirty="0">
+                <a:solidFill>
+                  <a:srgbClr val="7EC6FE"/>
+                </a:solidFill>
+              </a:rPr>
+              <a:t>rd</a:t>
+            </a:r>
+            <a:r>
+              <a:rPr lang="en-CA" dirty="0">
+                <a:solidFill>
+                  <a:srgbClr val="7EC6FE"/>
+                </a:solidFill>
+              </a:rPr>
+              <a:t> 2024 – February 24</a:t>
+            </a:r>
+            <a:r>
+              <a:rPr lang="en-CA" baseline="30000" dirty="0">
+                <a:solidFill>
+                  <a:srgbClr val="7EC6FE"/>
+                </a:solidFill>
+              </a:rPr>
+              <a:t>th</a:t>
+            </a:r>
+            <a:r>
+              <a:rPr lang="en-CA" dirty="0">
+                <a:solidFill>
+                  <a:srgbClr val="7EC6FE"/>
+                </a:solidFill>
+              </a:rPr>
+              <a:t> 2024</a:t>
+            </a:r>
+            <a:endParaRPr lang="en-CA" dirty="0"/>
           </a:p>
           <a:p>
             <a:pPr algn="ctr"/>
@@ -2966,21 +3087,49 @@
 </file>
 
 <file path=customXml/item1.xml><?xml version="1.0" encoding="utf-8"?>
-<ct:contentTypeSchema xmlns:ct="http://schemas.microsoft.com/office/2006/metadata/contentType" xmlns:ma="http://schemas.microsoft.com/office/2006/metadata/properties/metaAttributes" ct:_="" ma:_="" ma:contentTypeName="Document" ma:contentTypeID="0x010100F6BDD08CCF370849A2D407B3E3FB0E50" ma:contentTypeVersion="6" ma:contentTypeDescription="Create a new document." ma:contentTypeScope="" ma:versionID="67b8d404d50ab64c6da975ce4eaec4ee">
-  <xsd:schema xmlns:xsd="http://www.w3.org/2001/XMLSchema" xmlns:xs="http://www.w3.org/2001/XMLSchema" xmlns:p="http://schemas.microsoft.com/office/2006/metadata/properties" xmlns:ns2="774ed329-f2c8-4afb-9f87-f277f9430717" targetNamespace="http://schemas.microsoft.com/office/2006/metadata/properties" ma:root="true" ma:fieldsID="2ee7a84ba5c28d271e27e06945b3db8f" ns2:_="">
-    <xsd:import namespace="774ed329-f2c8-4afb-9f87-f277f9430717"/>
+<p:properties xmlns:p="http://schemas.microsoft.com/office/2006/metadata/properties" xmlns:xsi="http://www.w3.org/2001/XMLSchema-instance" xmlns:pc="http://schemas.microsoft.com/office/infopath/2007/PartnerControls">
+  <documentManagement>
+    <_activity xmlns="407edbc8-33f4-4ad5-9103-f6a22380258f" xsi:nil="true"/>
+  </documentManagement>
+</p:properties>
+</file>
+
+<file path=customXml/item2.xml><?xml version="1.0" encoding="utf-8"?>
+<?mso-contentType ?>
+<FormTemplates xmlns="http://schemas.microsoft.com/sharepoint/v3/contenttype/forms">
+  <Display>DocumentLibraryForm</Display>
+  <Edit>DocumentLibraryForm</Edit>
+  <New>DocumentLibraryForm</New>
+</FormTemplates>
+</file>
+
+<file path=customXml/item3.xml><?xml version="1.0" encoding="utf-8"?>
+<ct:contentTypeSchema xmlns:ct="http://schemas.microsoft.com/office/2006/metadata/contentType" xmlns:ma="http://schemas.microsoft.com/office/2006/metadata/properties/metaAttributes" ct:_="" ma:_="" ma:contentTypeName="Document" ma:contentTypeID="0x010100944395858B8D5E41934D0CF9648E9B96" ma:contentTypeVersion="16" ma:contentTypeDescription="Create a new document." ma:contentTypeScope="" ma:versionID="a13563c9215696ff544c161afc1d6018">
+  <xsd:schema xmlns:xsd="http://www.w3.org/2001/XMLSchema" xmlns:xs="http://www.w3.org/2001/XMLSchema" xmlns:p="http://schemas.microsoft.com/office/2006/metadata/properties" xmlns:ns3="407edbc8-33f4-4ad5-9103-f6a22380258f" xmlns:ns4="13665812-222f-4482-9c42-d202b5dc0cde" targetNamespace="http://schemas.microsoft.com/office/2006/metadata/properties" ma:root="true" ma:fieldsID="4bf4f5c78c5a8838f8c4d78a849be47a" ns3:_="" ns4:_="">
+    <xsd:import namespace="407edbc8-33f4-4ad5-9103-f6a22380258f"/>
+    <xsd:import namespace="13665812-222f-4482-9c42-d202b5dc0cde"/>
     <xsd:element name="properties">
       <xsd:complexType>
         <xsd:sequence>
           <xsd:element name="documentManagement">
             <xsd:complexType>
               <xsd:all>
-                <xsd:element ref="ns2:MediaServiceMetadata" minOccurs="0"/>
-                <xsd:element ref="ns2:MediaServiceFastMetadata" minOccurs="0"/>
-                <xsd:element ref="ns2:MediaServiceAutoTags" minOccurs="0"/>
-                <xsd:element ref="ns2:MediaServiceOCR" minOccurs="0"/>
-                <xsd:element ref="ns2:MediaServiceGenerationTime" minOccurs="0"/>
-                <xsd:element ref="ns2:MediaServiceEventHashCode" minOccurs="0"/>
+                <xsd:element ref="ns3:MediaServiceMetadata" minOccurs="0"/>
+                <xsd:element ref="ns3:MediaServiceFastMetadata" minOccurs="0"/>
+                <xsd:element ref="ns3:MediaServiceAutoTags" minOccurs="0"/>
+                <xsd:element ref="ns3:MediaServiceOCR" minOccurs="0"/>
+                <xsd:element ref="ns3:MediaServiceGenerationTime" minOccurs="0"/>
+                <xsd:element ref="ns3:MediaServiceEventHashCode" minOccurs="0"/>
+                <xsd:element ref="ns3:MediaServiceDateTaken" minOccurs="0"/>
+                <xsd:element ref="ns3:MediaServiceLocation" minOccurs="0"/>
+                <xsd:element ref="ns3:MediaLengthInSeconds" minOccurs="0"/>
+                <xsd:element ref="ns3:_activity" minOccurs="0"/>
+                <xsd:element ref="ns4:SharedWithUsers" minOccurs="0"/>
+                <xsd:element ref="ns4:SharedWithDetails" minOccurs="0"/>
+                <xsd:element ref="ns4:SharingHintHash" minOccurs="0"/>
+                <xsd:element ref="ns3:MediaServiceObjectDetectorVersions" minOccurs="0"/>
+                <xsd:element ref="ns3:MediaServiceSystemTags" minOccurs="0"/>
+                <xsd:element ref="ns3:MediaServiceSearchProperties" minOccurs="0"/>
               </xsd:all>
             </xsd:complexType>
           </xsd:element>
@@ -2988,7 +3137,7 @@
       </xsd:complexType>
     </xsd:element>
   </xsd:schema>
-  <xsd:schema xmlns:xsd="http://www.w3.org/2001/XMLSchema" xmlns:xs="http://www.w3.org/2001/XMLSchema" xmlns:dms="http://schemas.microsoft.com/office/2006/documentManagement/types" xmlns:pc="http://schemas.microsoft.com/office/infopath/2007/PartnerControls" targetNamespace="774ed329-f2c8-4afb-9f87-f277f9430717" elementFormDefault="qualified">
+  <xsd:schema xmlns:xsd="http://www.w3.org/2001/XMLSchema" xmlns:xs="http://www.w3.org/2001/XMLSchema" xmlns:dms="http://schemas.microsoft.com/office/2006/documentManagement/types" xmlns:pc="http://schemas.microsoft.com/office/infopath/2007/PartnerControls" targetNamespace="407edbc8-33f4-4ad5-9103-f6a22380258f" elementFormDefault="qualified">
     <xsd:import namespace="http://schemas.microsoft.com/office/2006/documentManagement/types"/>
     <xsd:import namespace="http://schemas.microsoft.com/office/infopath/2007/PartnerControls"/>
     <xsd:element name="MediaServiceMetadata" ma:index="8" nillable="true" ma:displayName="MediaServiceMetadata" ma:hidden="true" ma:internalName="MediaServiceMetadata" ma:readOnly="true">
@@ -3019,6 +3168,76 @@
       </xsd:simpleType>
     </xsd:element>
     <xsd:element name="MediaServiceEventHashCode" ma:index="13" nillable="true" ma:displayName="MediaServiceEventHashCode" ma:hidden="true" ma:internalName="MediaServiceEventHashCode" ma:readOnly="true">
+      <xsd:simpleType>
+        <xsd:restriction base="dms:Text"/>
+      </xsd:simpleType>
+    </xsd:element>
+    <xsd:element name="MediaServiceDateTaken" ma:index="14" nillable="true" ma:displayName="MediaServiceDateTaken" ma:hidden="true" ma:indexed="true" ma:internalName="MediaServiceDateTaken" ma:readOnly="true">
+      <xsd:simpleType>
+        <xsd:restriction base="dms:Text"/>
+      </xsd:simpleType>
+    </xsd:element>
+    <xsd:element name="MediaServiceLocation" ma:index="15" nillable="true" ma:displayName="Location" ma:indexed="true" ma:internalName="MediaServiceLocation" ma:readOnly="true">
+      <xsd:simpleType>
+        <xsd:restriction base="dms:Text"/>
+      </xsd:simpleType>
+    </xsd:element>
+    <xsd:element name="MediaLengthInSeconds" ma:index="16" nillable="true" ma:displayName="MediaLengthInSeconds" ma:hidden="true" ma:internalName="MediaLengthInSeconds" ma:readOnly="true">
+      <xsd:simpleType>
+        <xsd:restriction base="dms:Unknown"/>
+      </xsd:simpleType>
+    </xsd:element>
+    <xsd:element name="_activity" ma:index="17" nillable="true" ma:displayName="_activity" ma:hidden="true" ma:internalName="_activity">
+      <xsd:simpleType>
+        <xsd:restriction base="dms:Note"/>
+      </xsd:simpleType>
+    </xsd:element>
+    <xsd:element name="MediaServiceObjectDetectorVersions" ma:index="21" nillable="true" ma:displayName="MediaServiceObjectDetectorVersions" ma:description="" ma:hidden="true" ma:indexed="true" ma:internalName="MediaServiceObjectDetectorVersions" ma:readOnly="true">
+      <xsd:simpleType>
+        <xsd:restriction base="dms:Text"/>
+      </xsd:simpleType>
+    </xsd:element>
+    <xsd:element name="MediaServiceSystemTags" ma:index="22" nillable="true" ma:displayName="MediaServiceSystemTags" ma:hidden="true" ma:internalName="MediaServiceSystemTags" ma:readOnly="true">
+      <xsd:simpleType>
+        <xsd:restriction base="dms:Note"/>
+      </xsd:simpleType>
+    </xsd:element>
+    <xsd:element name="MediaServiceSearchProperties" ma:index="23" nillable="true" ma:displayName="MediaServiceSearchProperties" ma:hidden="true" ma:internalName="MediaServiceSearchProperties" ma:readOnly="true">
+      <xsd:simpleType>
+        <xsd:restriction base="dms:Note"/>
+      </xsd:simpleType>
+    </xsd:element>
+  </xsd:schema>
+  <xsd:schema xmlns:xsd="http://www.w3.org/2001/XMLSchema" xmlns:xs="http://www.w3.org/2001/XMLSchema" xmlns:dms="http://schemas.microsoft.com/office/2006/documentManagement/types" xmlns:pc="http://schemas.microsoft.com/office/infopath/2007/PartnerControls" targetNamespace="13665812-222f-4482-9c42-d202b5dc0cde" elementFormDefault="qualified">
+    <xsd:import namespace="http://schemas.microsoft.com/office/2006/documentManagement/types"/>
+    <xsd:import namespace="http://schemas.microsoft.com/office/infopath/2007/PartnerControls"/>
+    <xsd:element name="SharedWithUsers" ma:index="18" nillable="true" ma:displayName="Shared With" ma:internalName="SharedWithUsers" ma:readOnly="true">
+      <xsd:complexType>
+        <xsd:complexContent>
+          <xsd:extension base="dms:UserMulti">
+            <xsd:sequence>
+              <xsd:element name="UserInfo" minOccurs="0" maxOccurs="unbounded">
+                <xsd:complexType>
+                  <xsd:sequence>
+                    <xsd:element name="DisplayName" type="xsd:string" minOccurs="0"/>
+                    <xsd:element name="AccountId" type="dms:UserId" minOccurs="0" nillable="true"/>
+                    <xsd:element name="AccountType" type="xsd:string" minOccurs="0"/>
+                  </xsd:sequence>
+                </xsd:complexType>
+              </xsd:element>
+            </xsd:sequence>
+          </xsd:extension>
+        </xsd:complexContent>
+      </xsd:complexType>
+    </xsd:element>
+    <xsd:element name="SharedWithDetails" ma:index="19" nillable="true" ma:displayName="Shared With Details" ma:internalName="SharedWithDetails" ma:readOnly="true">
+      <xsd:simpleType>
+        <xsd:restriction base="dms:Note">
+          <xsd:maxLength value="255"/>
+        </xsd:restriction>
+      </xsd:simpleType>
+    </xsd:element>
+    <xsd:element name="SharingHintHash" ma:index="20" nillable="true" ma:displayName="Sharing Hint Hash" ma:hidden="true" ma:internalName="SharingHintHash" ma:readOnly="true">
       <xsd:simpleType>
         <xsd:restriction base="dms:Text"/>
       </xsd:simpleType>
@@ -3123,35 +3342,19 @@
 </ct:contentTypeSchema>
 </file>
 
-<file path=customXml/item2.xml><?xml version="1.0" encoding="utf-8"?>
-<?mso-contentType ?>
-<FormTemplates xmlns="http://schemas.microsoft.com/sharepoint/v3/contenttype/forms">
-  <Display>DocumentLibraryForm</Display>
-  <Edit>DocumentLibraryForm</Edit>
-  <New>DocumentLibraryForm</New>
-</FormTemplates>
-</file>
-
-<file path=customXml/item3.xml><?xml version="1.0" encoding="utf-8"?>
-<p:properties xmlns:p="http://schemas.microsoft.com/office/2006/metadata/properties" xmlns:xsi="http://www.w3.org/2001/XMLSchema-instance" xmlns:pc="http://schemas.microsoft.com/office/infopath/2007/PartnerControls">
-  <documentManagement/>
-</p:properties>
-</file>
-
 <file path=customXml/itemProps1.xml><?xml version="1.0" encoding="utf-8"?>
-<ds:datastoreItem xmlns:ds="http://schemas.openxmlformats.org/officeDocument/2006/customXml" ds:itemID="{B82D51DF-B950-4ADF-B00C-C6AE7EAF455E}">
+<ds:datastoreItem xmlns:ds="http://schemas.openxmlformats.org/officeDocument/2006/customXml" ds:itemID="{70180D9A-D519-4FDB-8F34-05266BAFD48C}">
   <ds:schemaRefs>
-    <ds:schemaRef ds:uri="http://schemas.microsoft.com/office/2006/metadata/contentType"/>
-    <ds:schemaRef ds:uri="http://schemas.microsoft.com/office/2006/metadata/properties/metaAttributes"/>
-    <ds:schemaRef ds:uri="http://www.w3.org/2001/XMLSchema"/>
+    <ds:schemaRef ds:uri="http://purl.org/dc/terms/"/>
     <ds:schemaRef ds:uri="http://schemas.microsoft.com/office/2006/metadata/properties"/>
-    <ds:schemaRef ds:uri="774ed329-f2c8-4afb-9f87-f277f9430717"/>
+    <ds:schemaRef ds:uri="407edbc8-33f4-4ad5-9103-f6a22380258f"/>
+    <ds:schemaRef ds:uri="http://www.w3.org/XML/1998/namespace"/>
+    <ds:schemaRef ds:uri="http://schemas.microsoft.com/office/infopath/2007/PartnerControls"/>
+    <ds:schemaRef ds:uri="http://purl.org/dc/dcmitype/"/>
+    <ds:schemaRef ds:uri="http://purl.org/dc/elements/1.1/"/>
     <ds:schemaRef ds:uri="http://schemas.microsoft.com/office/2006/documentManagement/types"/>
-    <ds:schemaRef ds:uri="http://schemas.microsoft.com/office/infopath/2007/PartnerControls"/>
     <ds:schemaRef ds:uri="http://schemas.openxmlformats.org/package/2006/metadata/core-properties"/>
-    <ds:schemaRef ds:uri="http://purl.org/dc/elements/1.1/"/>
-    <ds:schemaRef ds:uri="http://purl.org/dc/terms/"/>
-    <ds:schemaRef ds:uri="http://schemas.microsoft.com/internal/obd"/>
+    <ds:schemaRef ds:uri="13665812-222f-4482-9c42-d202b5dc0cde"/>
   </ds:schemaRefs>
 </ds:datastoreItem>
 </file>
@@ -3165,17 +3368,20 @@
 </file>
 
 <file path=customXml/itemProps3.xml><?xml version="1.0" encoding="utf-8"?>
-<ds:datastoreItem xmlns:ds="http://schemas.openxmlformats.org/officeDocument/2006/customXml" ds:itemID="{70180D9A-D519-4FDB-8F34-05266BAFD48C}">
+<ds:datastoreItem xmlns:ds="http://schemas.openxmlformats.org/officeDocument/2006/customXml" ds:itemID="{A60A3E3E-FBD8-4D81-BB98-AEE6A1AE1A1D}">
   <ds:schemaRefs>
+    <ds:schemaRef ds:uri="http://schemas.microsoft.com/office/2006/metadata/contentType"/>
+    <ds:schemaRef ds:uri="http://schemas.microsoft.com/office/2006/metadata/properties/metaAttributes"/>
+    <ds:schemaRef ds:uri="http://www.w3.org/2001/XMLSchema"/>
+    <ds:schemaRef ds:uri="http://schemas.microsoft.com/office/2006/metadata/properties"/>
+    <ds:schemaRef ds:uri="407edbc8-33f4-4ad5-9103-f6a22380258f"/>
+    <ds:schemaRef ds:uri="13665812-222f-4482-9c42-d202b5dc0cde"/>
+    <ds:schemaRef ds:uri="http://schemas.microsoft.com/office/2006/documentManagement/types"/>
+    <ds:schemaRef ds:uri="http://schemas.microsoft.com/office/infopath/2007/PartnerControls"/>
+    <ds:schemaRef ds:uri="http://schemas.openxmlformats.org/package/2006/metadata/core-properties"/>
+    <ds:schemaRef ds:uri="http://purl.org/dc/elements/1.1/"/>
     <ds:schemaRef ds:uri="http://purl.org/dc/terms/"/>
-    <ds:schemaRef ds:uri="http://purl.org/dc/elements/1.1/"/>
-    <ds:schemaRef ds:uri="http://schemas.microsoft.com/office/2006/documentManagement/types"/>
-    <ds:schemaRef ds:uri="http://schemas.openxmlformats.org/package/2006/metadata/core-properties"/>
-    <ds:schemaRef ds:uri="http://schemas.microsoft.com/office/infopath/2007/PartnerControls"/>
-    <ds:schemaRef ds:uri="http://www.w3.org/XML/1998/namespace"/>
-    <ds:schemaRef ds:uri="774ed329-f2c8-4afb-9f87-f277f9430717"/>
-    <ds:schemaRef ds:uri="http://schemas.microsoft.com/office/2006/metadata/properties"/>
-    <ds:schemaRef ds:uri="http://purl.org/dc/dcmitype/"/>
+    <ds:schemaRef ds:uri="http://schemas.microsoft.com/internal/obd"/>
   </ds:schemaRefs>
 </ds:datastoreItem>
 </file>